--- a/res/basic_design.pptx
+++ b/res/basic_design.pptx
@@ -10,9 +10,9 @@
   <p:sldIdLst>
     <p:sldId id="256" r:id="rId2"/>
     <p:sldId id="257" r:id="rId3"/>
-    <p:sldId id="452" r:id="rId4"/>
-    <p:sldId id="454" r:id="rId5"/>
-    <p:sldId id="453" r:id="rId6"/>
+    <p:sldId id="454" r:id="rId4"/>
+    <p:sldId id="453" r:id="rId5"/>
+    <p:sldId id="452" r:id="rId6"/>
   </p:sldIdLst>
   <p:sldSz cx="12192000" cy="6858000"/>
   <p:notesSz cx="6858000" cy="9144000"/>
@@ -118,7 +118,6 @@
           <p14:sldIdLst>
             <p14:sldId id="256"/>
             <p14:sldId id="257"/>
-            <p14:sldId id="452"/>
           </p14:sldIdLst>
         </p14:section>
         <p14:section name="目录" id="{3CA87ACB-E8BC-489B-8BC9-FC8B965A0CB5}">
@@ -129,6 +128,11 @@
         <p14:section name="内容" id="{DA656D51-CA6A-4C4C-85B5-A5A38DBD775A}">
           <p14:sldIdLst>
             <p14:sldId id="453"/>
+          </p14:sldIdLst>
+        </p14:section>
+        <p14:section name="结尾" id="{CDB74880-1633-4F32-9E46-9F2F3EEFAB69}">
+          <p14:sldIdLst>
+            <p14:sldId id="452"/>
           </p14:sldIdLst>
         </p14:section>
       </p14:sectionLst>
@@ -508,7 +512,7 @@
           <a:p>
             <a:fld id="{DBAFB217-AFB8-4DA8-922B-3908D035AEA5}" type="datetimeFigureOut">
               <a:rPr lang="zh-CN" altLang="en-US" smtClean="0"/>
-              <a:t>2022/9/8</a:t>
+              <a:t>2022/9/9</a:t>
             </a:fld>
             <a:endParaRPr lang="zh-CN" altLang="en-US"/>
           </a:p>
@@ -840,7 +844,7 @@
           <a:p>
             <a:fld id="{A65CE8B1-3D5A-2248-AC5C-6E1D8029CEF7}" type="slidenum">
               <a:rPr lang="en-US" altLang="zh-CN"/>
-              <a:t>3</a:t>
+              <a:t>5</a:t>
             </a:fld>
             <a:endParaRPr kumimoji="1" lang="zh-CN" altLang="en-US"/>
           </a:p>
@@ -1006,7 +1010,7 @@
           <a:p>
             <a:fld id="{1254D91B-73C9-400F-A8D2-9D4C1DF4D9EE}" type="datetimeFigureOut">
               <a:rPr lang="zh-CN" altLang="en-US" smtClean="0"/>
-              <a:t>2022/9/8</a:t>
+              <a:t>2022/9/9</a:t>
             </a:fld>
             <a:endParaRPr lang="zh-CN" altLang="en-US"/>
           </a:p>
@@ -1204,7 +1208,7 @@
           <a:p>
             <a:fld id="{1254D91B-73C9-400F-A8D2-9D4C1DF4D9EE}" type="datetimeFigureOut">
               <a:rPr lang="zh-CN" altLang="en-US" smtClean="0"/>
-              <a:t>2022/9/8</a:t>
+              <a:t>2022/9/9</a:t>
             </a:fld>
             <a:endParaRPr lang="zh-CN" altLang="en-US"/>
           </a:p>
@@ -1412,7 +1416,7 @@
           <a:p>
             <a:fld id="{1254D91B-73C9-400F-A8D2-9D4C1DF4D9EE}" type="datetimeFigureOut">
               <a:rPr lang="zh-CN" altLang="en-US" smtClean="0"/>
-              <a:t>2022/9/8</a:t>
+              <a:t>2022/9/9</a:t>
             </a:fld>
             <a:endParaRPr lang="zh-CN" altLang="en-US"/>
           </a:p>
@@ -1610,7 +1614,7 @@
           <a:p>
             <a:fld id="{1254D91B-73C9-400F-A8D2-9D4C1DF4D9EE}" type="datetimeFigureOut">
               <a:rPr lang="zh-CN" altLang="en-US" smtClean="0"/>
-              <a:t>2022/9/8</a:t>
+              <a:t>2022/9/9</a:t>
             </a:fld>
             <a:endParaRPr lang="zh-CN" altLang="en-US"/>
           </a:p>
@@ -1885,7 +1889,7 @@
           <a:p>
             <a:fld id="{1254D91B-73C9-400F-A8D2-9D4C1DF4D9EE}" type="datetimeFigureOut">
               <a:rPr lang="zh-CN" altLang="en-US" smtClean="0"/>
-              <a:t>2022/9/8</a:t>
+              <a:t>2022/9/9</a:t>
             </a:fld>
             <a:endParaRPr lang="zh-CN" altLang="en-US"/>
           </a:p>
@@ -2150,7 +2154,7 @@
           <a:p>
             <a:fld id="{1254D91B-73C9-400F-A8D2-9D4C1DF4D9EE}" type="datetimeFigureOut">
               <a:rPr lang="zh-CN" altLang="en-US" smtClean="0"/>
-              <a:t>2022/9/8</a:t>
+              <a:t>2022/9/9</a:t>
             </a:fld>
             <a:endParaRPr lang="zh-CN" altLang="en-US"/>
           </a:p>
@@ -2562,7 +2566,7 @@
           <a:p>
             <a:fld id="{1254D91B-73C9-400F-A8D2-9D4C1DF4D9EE}" type="datetimeFigureOut">
               <a:rPr lang="zh-CN" altLang="en-US" smtClean="0"/>
-              <a:t>2022/9/8</a:t>
+              <a:t>2022/9/9</a:t>
             </a:fld>
             <a:endParaRPr lang="zh-CN" altLang="en-US"/>
           </a:p>
@@ -2703,7 +2707,7 @@
           <a:p>
             <a:fld id="{1254D91B-73C9-400F-A8D2-9D4C1DF4D9EE}" type="datetimeFigureOut">
               <a:rPr lang="zh-CN" altLang="en-US" smtClean="0"/>
-              <a:t>2022/9/8</a:t>
+              <a:t>2022/9/9</a:t>
             </a:fld>
             <a:endParaRPr lang="zh-CN" altLang="en-US"/>
           </a:p>
@@ -2816,7 +2820,7 @@
           <a:p>
             <a:fld id="{1254D91B-73C9-400F-A8D2-9D4C1DF4D9EE}" type="datetimeFigureOut">
               <a:rPr lang="zh-CN" altLang="en-US" smtClean="0"/>
-              <a:t>2022/9/8</a:t>
+              <a:t>2022/9/9</a:t>
             </a:fld>
             <a:endParaRPr lang="zh-CN" altLang="en-US"/>
           </a:p>
@@ -3127,7 +3131,7 @@
           <a:p>
             <a:fld id="{1254D91B-73C9-400F-A8D2-9D4C1DF4D9EE}" type="datetimeFigureOut">
               <a:rPr lang="zh-CN" altLang="en-US" smtClean="0"/>
-              <a:t>2022/9/8</a:t>
+              <a:t>2022/9/9</a:t>
             </a:fld>
             <a:endParaRPr lang="zh-CN" altLang="en-US"/>
           </a:p>
@@ -3415,7 +3419,7 @@
           <a:p>
             <a:fld id="{1254D91B-73C9-400F-A8D2-9D4C1DF4D9EE}" type="datetimeFigureOut">
               <a:rPr lang="zh-CN" altLang="en-US" smtClean="0"/>
-              <a:t>2022/9/8</a:t>
+              <a:t>2022/9/9</a:t>
             </a:fld>
             <a:endParaRPr lang="zh-CN" altLang="en-US"/>
           </a:p>
@@ -3656,7 +3660,7 @@
           <a:p>
             <a:fld id="{1254D91B-73C9-400F-A8D2-9D4C1DF4D9EE}" type="datetimeFigureOut">
               <a:rPr lang="zh-CN" altLang="en-US" smtClean="0"/>
-              <a:t>2022/9/8</a:t>
+              <a:t>2022/9/9</a:t>
             </a:fld>
             <a:endParaRPr lang="zh-CN" altLang="en-US"/>
           </a:p>
@@ -4575,463 +4579,6 @@
       </p:grpSpPr>
       <p:sp>
         <p:nvSpPr>
-          <p:cNvPr id="18" name="PA_矩形 28">
-            <a:extLst>
-              <a:ext uri="{FF2B5EF4-FFF2-40B4-BE49-F238E27FC236}">
-                <a16:creationId xmlns:a16="http://schemas.microsoft.com/office/drawing/2014/main" id="{6213FD25-314B-41E7-A174-B3A53CFBC092}"/>
-              </a:ext>
-            </a:extLst>
-          </p:cNvPr>
-          <p:cNvSpPr/>
-          <p:nvPr>
-            <p:custDataLst>
-              <p:tags r:id="rId1"/>
-            </p:custDataLst>
-          </p:nvPr>
-        </p:nvSpPr>
-        <p:spPr>
-          <a:xfrm>
-            <a:off x="0" y="0"/>
-            <a:ext cx="12192000" cy="6858000"/>
-          </a:xfrm>
-          <a:prstGeom prst="rect">
-            <a:avLst/>
-          </a:prstGeom>
-          <a:solidFill>
-            <a:schemeClr val="bg1"/>
-          </a:solidFill>
-          <a:ln>
-            <a:noFill/>
-          </a:ln>
-        </p:spPr>
-        <p:style>
-          <a:lnRef idx="2">
-            <a:schemeClr val="accent1">
-              <a:shade val="50000"/>
-            </a:schemeClr>
-          </a:lnRef>
-          <a:fillRef idx="1">
-            <a:schemeClr val="accent1"/>
-          </a:fillRef>
-          <a:effectRef idx="0">
-            <a:schemeClr val="accent1"/>
-          </a:effectRef>
-          <a:fontRef idx="minor">
-            <a:schemeClr val="lt1"/>
-          </a:fontRef>
-        </p:style>
-        <p:txBody>
-          <a:bodyPr rtlCol="0" anchor="ctr"/>
-          <a:lstStyle/>
-          <a:p>
-            <a:pPr algn="ctr"/>
-            <a:endParaRPr lang="zh-CN" altLang="en-US"/>
-          </a:p>
-        </p:txBody>
-      </p:sp>
-      <p:sp>
-        <p:nvSpPr>
-          <p:cNvPr id="29" name="PA_矩形 28">
-            <a:extLst>
-              <a:ext uri="{FF2B5EF4-FFF2-40B4-BE49-F238E27FC236}">
-                <a16:creationId xmlns:a16="http://schemas.microsoft.com/office/drawing/2014/main" id="{75125EC2-5400-48FD-A782-71AFE781AC81}"/>
-              </a:ext>
-            </a:extLst>
-          </p:cNvPr>
-          <p:cNvSpPr/>
-          <p:nvPr>
-            <p:custDataLst>
-              <p:tags r:id="rId2"/>
-            </p:custDataLst>
-          </p:nvPr>
-        </p:nvSpPr>
-        <p:spPr>
-          <a:xfrm>
-            <a:off x="0" y="4845170"/>
-            <a:ext cx="12192000" cy="2021874"/>
-          </a:xfrm>
-          <a:prstGeom prst="rect">
-            <a:avLst/>
-          </a:prstGeom>
-          <a:solidFill>
-            <a:srgbClr val="004098"/>
-          </a:solidFill>
-          <a:ln>
-            <a:noFill/>
-          </a:ln>
-        </p:spPr>
-        <p:style>
-          <a:lnRef idx="2">
-            <a:schemeClr val="accent1">
-              <a:shade val="50000"/>
-            </a:schemeClr>
-          </a:lnRef>
-          <a:fillRef idx="1">
-            <a:schemeClr val="accent1"/>
-          </a:fillRef>
-          <a:effectRef idx="0">
-            <a:schemeClr val="accent1"/>
-          </a:effectRef>
-          <a:fontRef idx="minor">
-            <a:schemeClr val="lt1"/>
-          </a:fontRef>
-        </p:style>
-        <p:txBody>
-          <a:bodyPr rtlCol="0" anchor="ctr"/>
-          <a:lstStyle/>
-          <a:p>
-            <a:pPr algn="ctr"/>
-            <a:endParaRPr lang="zh-CN" altLang="en-US"/>
-          </a:p>
-        </p:txBody>
-      </p:sp>
-      <p:sp>
-        <p:nvSpPr>
-          <p:cNvPr id="25" name="文本框 24">
-            <a:extLst>
-              <a:ext uri="{FF2B5EF4-FFF2-40B4-BE49-F238E27FC236}">
-                <a16:creationId xmlns:a16="http://schemas.microsoft.com/office/drawing/2014/main" id="{A8163E0B-5030-2147-8627-2D11D19D787C}"/>
-              </a:ext>
-            </a:extLst>
-          </p:cNvPr>
-          <p:cNvSpPr txBox="1"/>
-          <p:nvPr/>
-        </p:nvSpPr>
-        <p:spPr>
-          <a:xfrm>
-            <a:off x="1609418" y="1354005"/>
-            <a:ext cx="8973164" cy="2653034"/>
-          </a:xfrm>
-          <a:prstGeom prst="rect">
-            <a:avLst/>
-          </a:prstGeom>
-          <a:noFill/>
-        </p:spPr>
-        <p:txBody>
-          <a:bodyPr wrap="square" rtlCol="0">
-            <a:spAutoFit/>
-          </a:bodyPr>
-          <a:lstStyle/>
-          <a:p>
-            <a:pPr>
-              <a:lnSpc>
-                <a:spcPct val="80000"/>
-              </a:lnSpc>
-            </a:pPr>
-            <a:r>
-              <a:rPr lang="en-US" altLang="zh-CN" sz="20800" spc="600" dirty="0">
-                <a:solidFill>
-                  <a:schemeClr val="bg1">
-                    <a:lumMod val="95000"/>
-                    <a:alpha val="76000"/>
-                  </a:schemeClr>
-                </a:solidFill>
-                <a:latin typeface="Times New Roman" panose="02020603050405020304" pitchFamily="18" charset="0"/>
-                <a:ea typeface="+mj-ea"/>
-                <a:cs typeface="Times New Roman" panose="02020603050405020304" pitchFamily="18" charset="0"/>
-              </a:rPr>
-              <a:t>UESTC</a:t>
-            </a:r>
-            <a:endParaRPr lang="en-US" altLang="zh-CN" sz="20800" spc="600" dirty="0">
-              <a:solidFill>
-                <a:schemeClr val="bg1">
-                  <a:lumMod val="95000"/>
-                  <a:alpha val="52000"/>
-                </a:schemeClr>
-              </a:solidFill>
-              <a:latin typeface="Times New Roman" panose="02020603050405020304" pitchFamily="18" charset="0"/>
-              <a:ea typeface="+mj-ea"/>
-              <a:cs typeface="Times New Roman" panose="02020603050405020304" pitchFamily="18" charset="0"/>
-            </a:endParaRPr>
-          </a:p>
-        </p:txBody>
-      </p:sp>
-      <p:pic>
-        <p:nvPicPr>
-          <p:cNvPr id="44" name="图片 43">
-            <a:extLst>
-              <a:ext uri="{FF2B5EF4-FFF2-40B4-BE49-F238E27FC236}">
-                <a16:creationId xmlns:a16="http://schemas.microsoft.com/office/drawing/2014/main" id="{44CE621F-A686-5E41-8340-A3FF3E839C44}"/>
-              </a:ext>
-            </a:extLst>
-          </p:cNvPr>
-          <p:cNvPicPr>
-            <a:picLocks noChangeAspect="1"/>
-          </p:cNvPicPr>
-          <p:nvPr/>
-        </p:nvPicPr>
-        <p:blipFill>
-          <a:blip r:embed="rId8"/>
-          <a:stretch>
-            <a:fillRect/>
-          </a:stretch>
-        </p:blipFill>
-        <p:spPr>
-          <a:xfrm>
-            <a:off x="216309" y="207288"/>
-            <a:ext cx="3156155" cy="717209"/>
-          </a:xfrm>
-          <a:prstGeom prst="rect">
-            <a:avLst/>
-          </a:prstGeom>
-        </p:spPr>
-      </p:pic>
-      <p:sp>
-        <p:nvSpPr>
-          <p:cNvPr id="11" name="PA_矩形 32">
-            <a:extLst>
-              <a:ext uri="{FF2B5EF4-FFF2-40B4-BE49-F238E27FC236}">
-                <a16:creationId xmlns:a16="http://schemas.microsoft.com/office/drawing/2014/main" id="{31619B85-4055-AF4B-AC53-099A482C6BBE}"/>
-              </a:ext>
-            </a:extLst>
-          </p:cNvPr>
-          <p:cNvSpPr/>
-          <p:nvPr>
-            <p:custDataLst>
-              <p:tags r:id="rId3"/>
-            </p:custDataLst>
-          </p:nvPr>
-        </p:nvSpPr>
-        <p:spPr>
-          <a:xfrm>
-            <a:off x="1471125" y="1354007"/>
-            <a:ext cx="9249748" cy="4149985"/>
-          </a:xfrm>
-          <a:prstGeom prst="rect">
-            <a:avLst/>
-          </a:prstGeom>
-          <a:gradFill>
-            <a:gsLst>
-              <a:gs pos="49000">
-                <a:schemeClr val="bg1"/>
-              </a:gs>
-              <a:gs pos="98000">
-                <a:schemeClr val="bg1">
-                  <a:alpha val="57000"/>
-                </a:schemeClr>
-              </a:gs>
-            </a:gsLst>
-            <a:lin ang="16200000" scaled="0"/>
-          </a:gradFill>
-          <a:ln>
-            <a:noFill/>
-          </a:ln>
-          <a:effectLst>
-            <a:outerShdw blurRad="254000" dist="38100" dir="5400000" algn="t" rotWithShape="0">
-              <a:srgbClr val="969F98">
-                <a:alpha val="20000"/>
-              </a:srgbClr>
-            </a:outerShdw>
-          </a:effectLst>
-        </p:spPr>
-        <p:style>
-          <a:lnRef idx="2">
-            <a:schemeClr val="accent1">
-              <a:shade val="50000"/>
-            </a:schemeClr>
-          </a:lnRef>
-          <a:fillRef idx="1">
-            <a:schemeClr val="accent1"/>
-          </a:fillRef>
-          <a:effectRef idx="0">
-            <a:schemeClr val="accent1"/>
-          </a:effectRef>
-          <a:fontRef idx="minor">
-            <a:schemeClr val="lt1"/>
-          </a:fontRef>
-        </p:style>
-        <p:txBody>
-          <a:bodyPr rot="0" spcFirstLastPara="0" vertOverflow="overflow" horzOverflow="overflow" vert="horz" wrap="square" lIns="91440" tIns="45720" rIns="91440" bIns="45720" numCol="1" spcCol="0" rtlCol="0" fromWordArt="0" anchor="ctr" anchorCtr="0" forceAA="0" compatLnSpc="1">
-            <a:prstTxWarp prst="textNoShape">
-              <a:avLst/>
-            </a:prstTxWarp>
-            <a:noAutofit/>
-          </a:bodyPr>
-          <a:lstStyle/>
-          <a:p>
-            <a:pPr algn="ctr"/>
-            <a:endParaRPr lang="zh-CN" altLang="en-US"/>
-          </a:p>
-        </p:txBody>
-      </p:sp>
-      <p:sp>
-        <p:nvSpPr>
-          <p:cNvPr id="12" name="PA_矩形 27">
-            <a:extLst>
-              <a:ext uri="{FF2B5EF4-FFF2-40B4-BE49-F238E27FC236}">
-                <a16:creationId xmlns:a16="http://schemas.microsoft.com/office/drawing/2014/main" id="{18D637D0-E6D6-FC46-BF46-4E889733A97D}"/>
-              </a:ext>
-            </a:extLst>
-          </p:cNvPr>
-          <p:cNvSpPr/>
-          <p:nvPr>
-            <p:custDataLst>
-              <p:tags r:id="rId4"/>
-            </p:custDataLst>
-          </p:nvPr>
-        </p:nvSpPr>
-        <p:spPr>
-          <a:xfrm>
-            <a:off x="3635829" y="2153796"/>
-            <a:ext cx="4920342" cy="2280495"/>
-          </a:xfrm>
-          <a:prstGeom prst="rect">
-            <a:avLst/>
-          </a:prstGeom>
-          <a:noFill/>
-          <a:ln w="25400">
-            <a:solidFill>
-              <a:srgbClr val="3F403E"/>
-            </a:solidFill>
-          </a:ln>
-        </p:spPr>
-        <p:style>
-          <a:lnRef idx="2">
-            <a:schemeClr val="accent1">
-              <a:shade val="50000"/>
-            </a:schemeClr>
-          </a:lnRef>
-          <a:fillRef idx="1">
-            <a:schemeClr val="accent1"/>
-          </a:fillRef>
-          <a:effectRef idx="0">
-            <a:schemeClr val="accent1"/>
-          </a:effectRef>
-          <a:fontRef idx="minor">
-            <a:schemeClr val="lt1"/>
-          </a:fontRef>
-        </p:style>
-        <p:txBody>
-          <a:bodyPr rtlCol="0" anchor="ctr"/>
-          <a:lstStyle/>
-          <a:p>
-            <a:pPr algn="ctr"/>
-            <a:endParaRPr lang="zh-CN" altLang="en-US"/>
-          </a:p>
-        </p:txBody>
-      </p:sp>
-      <p:pic>
-        <p:nvPicPr>
-          <p:cNvPr id="15" name="图片 14">
-            <a:extLst>
-              <a:ext uri="{FF2B5EF4-FFF2-40B4-BE49-F238E27FC236}">
-                <a16:creationId xmlns:a16="http://schemas.microsoft.com/office/drawing/2014/main" id="{B93ADD5B-947D-1742-BCFD-8CC3F8C8B171}"/>
-              </a:ext>
-            </a:extLst>
-          </p:cNvPr>
-          <p:cNvPicPr>
-            <a:picLocks noChangeAspect="1"/>
-          </p:cNvPicPr>
-          <p:nvPr/>
-        </p:nvPicPr>
-        <p:blipFill>
-          <a:blip r:embed="rId9"/>
-          <a:stretch>
-            <a:fillRect/>
-          </a:stretch>
-        </p:blipFill>
-        <p:spPr>
-          <a:xfrm>
-            <a:off x="0" y="5311833"/>
-            <a:ext cx="12192000" cy="1530052"/>
-          </a:xfrm>
-          <a:prstGeom prst="rect">
-            <a:avLst/>
-          </a:prstGeom>
-        </p:spPr>
-      </p:pic>
-      <p:sp>
-        <p:nvSpPr>
-          <p:cNvPr id="19" name="PA_文本框 20">
-            <a:extLst>
-              <a:ext uri="{FF2B5EF4-FFF2-40B4-BE49-F238E27FC236}">
-                <a16:creationId xmlns:a16="http://schemas.microsoft.com/office/drawing/2014/main" id="{C2D90ED3-061A-4C2B-888B-6F4FF3C00A89}"/>
-              </a:ext>
-            </a:extLst>
-          </p:cNvPr>
-          <p:cNvSpPr txBox="1"/>
-          <p:nvPr>
-            <p:custDataLst>
-              <p:tags r:id="rId5"/>
-            </p:custDataLst>
-          </p:nvPr>
-        </p:nvSpPr>
-        <p:spPr>
-          <a:xfrm>
-            <a:off x="4709241" y="2617596"/>
-            <a:ext cx="2773516" cy="1015663"/>
-          </a:xfrm>
-          <a:prstGeom prst="rect">
-            <a:avLst/>
-          </a:prstGeom>
-          <a:solidFill>
-            <a:srgbClr val="FCFCFD"/>
-          </a:solidFill>
-        </p:spPr>
-        <p:txBody>
-          <a:bodyPr wrap="none" rtlCol="0">
-            <a:spAutoFit/>
-          </a:bodyPr>
-          <a:lstStyle/>
-          <a:p>
-            <a:pPr algn="ctr"/>
-            <a:r>
-              <a:rPr lang="en-US" altLang="zh-CN" sz="6000" dirty="0">
-                <a:solidFill>
-                  <a:srgbClr val="004098"/>
-                </a:solidFill>
-                <a:latin typeface="Microsoft YaHei" panose="020B0503020204020204" pitchFamily="34" charset="-122"/>
-                <a:ea typeface="Microsoft YaHei" panose="020B0503020204020204" pitchFamily="34" charset="-122"/>
-              </a:rPr>
-              <a:t>Thanks</a:t>
-            </a:r>
-          </a:p>
-        </p:txBody>
-      </p:sp>
-    </p:spTree>
-    <p:extLst>
-      <p:ext uri="{BB962C8B-B14F-4D97-AF65-F5344CB8AC3E}">
-        <p14:creationId xmlns:p14="http://schemas.microsoft.com/office/powerpoint/2010/main" val="734731905"/>
-      </p:ext>
-    </p:extLst>
-  </p:cSld>
-  <p:clrMapOvr>
-    <a:masterClrMapping/>
-  </p:clrMapOvr>
-  <mc:AlternateContent xmlns:mc="http://schemas.openxmlformats.org/markup-compatibility/2006" xmlns:p159="http://schemas.microsoft.com/office/powerpoint/2015/09/main">
-    <mc:Choice Requires="p159">
-      <p:transition xmlns:p14="http://schemas.microsoft.com/office/powerpoint/2010/main" p14:dur="250">
-        <p159:morph option="byObject"/>
-      </p:transition>
-    </mc:Choice>
-    <mc:Fallback xmlns="">
-      <p:transition>
-        <p:fade/>
-      </p:transition>
-    </mc:Fallback>
-  </mc:AlternateContent>
-</p:sld>
-</file>
-
-<file path=ppt/slides/slide4.xml><?xml version="1.0" encoding="utf-8"?>
-<p:sld xmlns:a="http://schemas.openxmlformats.org/drawingml/2006/main" xmlns:r="http://schemas.openxmlformats.org/officeDocument/2006/relationships" xmlns:p="http://schemas.openxmlformats.org/presentationml/2006/main">
-  <p:cSld>
-    <p:spTree>
-      <p:nvGrpSpPr>
-        <p:cNvPr id="1" name=""/>
-        <p:cNvGrpSpPr/>
-        <p:nvPr/>
-      </p:nvGrpSpPr>
-      <p:grpSpPr>
-        <a:xfrm>
-          <a:off x="0" y="0"/>
-          <a:ext cx="0" cy="0"/>
-          <a:chOff x="0" y="0"/>
-          <a:chExt cx="0" cy="0"/>
-        </a:xfrm>
-      </p:grpSpPr>
-      <p:sp>
-        <p:nvSpPr>
           <p:cNvPr id="8" name="PA_矩形 28">
             <a:extLst>
               <a:ext uri="{FF2B5EF4-FFF2-40B4-BE49-F238E27FC236}">
@@ -5450,7 +4997,7 @@
 </p:sld>
 </file>
 
-<file path=ppt/slides/slide5.xml><?xml version="1.0" encoding="utf-8"?>
+<file path=ppt/slides/slide4.xml><?xml version="1.0" encoding="utf-8"?>
 <p:sld xmlns:a="http://schemas.openxmlformats.org/drawingml/2006/main" xmlns:r="http://schemas.openxmlformats.org/officeDocument/2006/relationships" xmlns:p="http://schemas.openxmlformats.org/presentationml/2006/main">
   <p:cSld>
     <p:spTree>
@@ -5689,6 +5236,463 @@
   <p:clrMapOvr>
     <a:masterClrMapping/>
   </p:clrMapOvr>
+</p:sld>
+</file>
+
+<file path=ppt/slides/slide5.xml><?xml version="1.0" encoding="utf-8"?>
+<p:sld xmlns:a="http://schemas.openxmlformats.org/drawingml/2006/main" xmlns:r="http://schemas.openxmlformats.org/officeDocument/2006/relationships" xmlns:p="http://schemas.openxmlformats.org/presentationml/2006/main">
+  <p:cSld>
+    <p:spTree>
+      <p:nvGrpSpPr>
+        <p:cNvPr id="1" name=""/>
+        <p:cNvGrpSpPr/>
+        <p:nvPr/>
+      </p:nvGrpSpPr>
+      <p:grpSpPr>
+        <a:xfrm>
+          <a:off x="0" y="0"/>
+          <a:ext cx="0" cy="0"/>
+          <a:chOff x="0" y="0"/>
+          <a:chExt cx="0" cy="0"/>
+        </a:xfrm>
+      </p:grpSpPr>
+      <p:sp>
+        <p:nvSpPr>
+          <p:cNvPr id="18" name="PA_矩形 28">
+            <a:extLst>
+              <a:ext uri="{FF2B5EF4-FFF2-40B4-BE49-F238E27FC236}">
+                <a16:creationId xmlns:a16="http://schemas.microsoft.com/office/drawing/2014/main" id="{6213FD25-314B-41E7-A174-B3A53CFBC092}"/>
+              </a:ext>
+            </a:extLst>
+          </p:cNvPr>
+          <p:cNvSpPr/>
+          <p:nvPr>
+            <p:custDataLst>
+              <p:tags r:id="rId1"/>
+            </p:custDataLst>
+          </p:nvPr>
+        </p:nvSpPr>
+        <p:spPr>
+          <a:xfrm>
+            <a:off x="0" y="0"/>
+            <a:ext cx="12192000" cy="6858000"/>
+          </a:xfrm>
+          <a:prstGeom prst="rect">
+            <a:avLst/>
+          </a:prstGeom>
+          <a:solidFill>
+            <a:schemeClr val="bg1"/>
+          </a:solidFill>
+          <a:ln>
+            <a:noFill/>
+          </a:ln>
+        </p:spPr>
+        <p:style>
+          <a:lnRef idx="2">
+            <a:schemeClr val="accent1">
+              <a:shade val="50000"/>
+            </a:schemeClr>
+          </a:lnRef>
+          <a:fillRef idx="1">
+            <a:schemeClr val="accent1"/>
+          </a:fillRef>
+          <a:effectRef idx="0">
+            <a:schemeClr val="accent1"/>
+          </a:effectRef>
+          <a:fontRef idx="minor">
+            <a:schemeClr val="lt1"/>
+          </a:fontRef>
+        </p:style>
+        <p:txBody>
+          <a:bodyPr rtlCol="0" anchor="ctr"/>
+          <a:lstStyle/>
+          <a:p>
+            <a:pPr algn="ctr"/>
+            <a:endParaRPr lang="zh-CN" altLang="en-US"/>
+          </a:p>
+        </p:txBody>
+      </p:sp>
+      <p:sp>
+        <p:nvSpPr>
+          <p:cNvPr id="29" name="PA_矩形 28">
+            <a:extLst>
+              <a:ext uri="{FF2B5EF4-FFF2-40B4-BE49-F238E27FC236}">
+                <a16:creationId xmlns:a16="http://schemas.microsoft.com/office/drawing/2014/main" id="{75125EC2-5400-48FD-A782-71AFE781AC81}"/>
+              </a:ext>
+            </a:extLst>
+          </p:cNvPr>
+          <p:cNvSpPr/>
+          <p:nvPr>
+            <p:custDataLst>
+              <p:tags r:id="rId2"/>
+            </p:custDataLst>
+          </p:nvPr>
+        </p:nvSpPr>
+        <p:spPr>
+          <a:xfrm>
+            <a:off x="0" y="4845170"/>
+            <a:ext cx="12192000" cy="2021874"/>
+          </a:xfrm>
+          <a:prstGeom prst="rect">
+            <a:avLst/>
+          </a:prstGeom>
+          <a:solidFill>
+            <a:srgbClr val="004098"/>
+          </a:solidFill>
+          <a:ln>
+            <a:noFill/>
+          </a:ln>
+        </p:spPr>
+        <p:style>
+          <a:lnRef idx="2">
+            <a:schemeClr val="accent1">
+              <a:shade val="50000"/>
+            </a:schemeClr>
+          </a:lnRef>
+          <a:fillRef idx="1">
+            <a:schemeClr val="accent1"/>
+          </a:fillRef>
+          <a:effectRef idx="0">
+            <a:schemeClr val="accent1"/>
+          </a:effectRef>
+          <a:fontRef idx="minor">
+            <a:schemeClr val="lt1"/>
+          </a:fontRef>
+        </p:style>
+        <p:txBody>
+          <a:bodyPr rtlCol="0" anchor="ctr"/>
+          <a:lstStyle/>
+          <a:p>
+            <a:pPr algn="ctr"/>
+            <a:endParaRPr lang="zh-CN" altLang="en-US"/>
+          </a:p>
+        </p:txBody>
+      </p:sp>
+      <p:sp>
+        <p:nvSpPr>
+          <p:cNvPr id="25" name="文本框 24">
+            <a:extLst>
+              <a:ext uri="{FF2B5EF4-FFF2-40B4-BE49-F238E27FC236}">
+                <a16:creationId xmlns:a16="http://schemas.microsoft.com/office/drawing/2014/main" id="{A8163E0B-5030-2147-8627-2D11D19D787C}"/>
+              </a:ext>
+            </a:extLst>
+          </p:cNvPr>
+          <p:cNvSpPr txBox="1"/>
+          <p:nvPr/>
+        </p:nvSpPr>
+        <p:spPr>
+          <a:xfrm>
+            <a:off x="1609418" y="1354005"/>
+            <a:ext cx="8973164" cy="2653034"/>
+          </a:xfrm>
+          <a:prstGeom prst="rect">
+            <a:avLst/>
+          </a:prstGeom>
+          <a:noFill/>
+        </p:spPr>
+        <p:txBody>
+          <a:bodyPr wrap="square" rtlCol="0">
+            <a:spAutoFit/>
+          </a:bodyPr>
+          <a:lstStyle/>
+          <a:p>
+            <a:pPr>
+              <a:lnSpc>
+                <a:spcPct val="80000"/>
+              </a:lnSpc>
+            </a:pPr>
+            <a:r>
+              <a:rPr lang="en-US" altLang="zh-CN" sz="20800" spc="600" dirty="0">
+                <a:solidFill>
+                  <a:schemeClr val="bg1">
+                    <a:lumMod val="95000"/>
+                    <a:alpha val="76000"/>
+                  </a:schemeClr>
+                </a:solidFill>
+                <a:latin typeface="Times New Roman" panose="02020603050405020304" pitchFamily="18" charset="0"/>
+                <a:ea typeface="+mj-ea"/>
+                <a:cs typeface="Times New Roman" panose="02020603050405020304" pitchFamily="18" charset="0"/>
+              </a:rPr>
+              <a:t>UESTC</a:t>
+            </a:r>
+            <a:endParaRPr lang="en-US" altLang="zh-CN" sz="20800" spc="600" dirty="0">
+              <a:solidFill>
+                <a:schemeClr val="bg1">
+                  <a:lumMod val="95000"/>
+                  <a:alpha val="52000"/>
+                </a:schemeClr>
+              </a:solidFill>
+              <a:latin typeface="Times New Roman" panose="02020603050405020304" pitchFamily="18" charset="0"/>
+              <a:ea typeface="+mj-ea"/>
+              <a:cs typeface="Times New Roman" panose="02020603050405020304" pitchFamily="18" charset="0"/>
+            </a:endParaRPr>
+          </a:p>
+        </p:txBody>
+      </p:sp>
+      <p:pic>
+        <p:nvPicPr>
+          <p:cNvPr id="44" name="图片 43">
+            <a:extLst>
+              <a:ext uri="{FF2B5EF4-FFF2-40B4-BE49-F238E27FC236}">
+                <a16:creationId xmlns:a16="http://schemas.microsoft.com/office/drawing/2014/main" id="{44CE621F-A686-5E41-8340-A3FF3E839C44}"/>
+              </a:ext>
+            </a:extLst>
+          </p:cNvPr>
+          <p:cNvPicPr>
+            <a:picLocks noChangeAspect="1"/>
+          </p:cNvPicPr>
+          <p:nvPr/>
+        </p:nvPicPr>
+        <p:blipFill>
+          <a:blip r:embed="rId8"/>
+          <a:stretch>
+            <a:fillRect/>
+          </a:stretch>
+        </p:blipFill>
+        <p:spPr>
+          <a:xfrm>
+            <a:off x="216309" y="207288"/>
+            <a:ext cx="3156155" cy="717209"/>
+          </a:xfrm>
+          <a:prstGeom prst="rect">
+            <a:avLst/>
+          </a:prstGeom>
+        </p:spPr>
+      </p:pic>
+      <p:sp>
+        <p:nvSpPr>
+          <p:cNvPr id="11" name="PA_矩形 32">
+            <a:extLst>
+              <a:ext uri="{FF2B5EF4-FFF2-40B4-BE49-F238E27FC236}">
+                <a16:creationId xmlns:a16="http://schemas.microsoft.com/office/drawing/2014/main" id="{31619B85-4055-AF4B-AC53-099A482C6BBE}"/>
+              </a:ext>
+            </a:extLst>
+          </p:cNvPr>
+          <p:cNvSpPr/>
+          <p:nvPr>
+            <p:custDataLst>
+              <p:tags r:id="rId3"/>
+            </p:custDataLst>
+          </p:nvPr>
+        </p:nvSpPr>
+        <p:spPr>
+          <a:xfrm>
+            <a:off x="1471125" y="1354007"/>
+            <a:ext cx="9249748" cy="4149985"/>
+          </a:xfrm>
+          <a:prstGeom prst="rect">
+            <a:avLst/>
+          </a:prstGeom>
+          <a:gradFill>
+            <a:gsLst>
+              <a:gs pos="49000">
+                <a:schemeClr val="bg1"/>
+              </a:gs>
+              <a:gs pos="98000">
+                <a:schemeClr val="bg1">
+                  <a:alpha val="57000"/>
+                </a:schemeClr>
+              </a:gs>
+            </a:gsLst>
+            <a:lin ang="16200000" scaled="0"/>
+          </a:gradFill>
+          <a:ln>
+            <a:noFill/>
+          </a:ln>
+          <a:effectLst>
+            <a:outerShdw blurRad="254000" dist="38100" dir="5400000" algn="t" rotWithShape="0">
+              <a:srgbClr val="969F98">
+                <a:alpha val="20000"/>
+              </a:srgbClr>
+            </a:outerShdw>
+          </a:effectLst>
+        </p:spPr>
+        <p:style>
+          <a:lnRef idx="2">
+            <a:schemeClr val="accent1">
+              <a:shade val="50000"/>
+            </a:schemeClr>
+          </a:lnRef>
+          <a:fillRef idx="1">
+            <a:schemeClr val="accent1"/>
+          </a:fillRef>
+          <a:effectRef idx="0">
+            <a:schemeClr val="accent1"/>
+          </a:effectRef>
+          <a:fontRef idx="minor">
+            <a:schemeClr val="lt1"/>
+          </a:fontRef>
+        </p:style>
+        <p:txBody>
+          <a:bodyPr rot="0" spcFirstLastPara="0" vertOverflow="overflow" horzOverflow="overflow" vert="horz" wrap="square" lIns="91440" tIns="45720" rIns="91440" bIns="45720" numCol="1" spcCol="0" rtlCol="0" fromWordArt="0" anchor="ctr" anchorCtr="0" forceAA="0" compatLnSpc="1">
+            <a:prstTxWarp prst="textNoShape">
+              <a:avLst/>
+            </a:prstTxWarp>
+            <a:noAutofit/>
+          </a:bodyPr>
+          <a:lstStyle/>
+          <a:p>
+            <a:pPr algn="ctr"/>
+            <a:endParaRPr lang="zh-CN" altLang="en-US"/>
+          </a:p>
+        </p:txBody>
+      </p:sp>
+      <p:sp>
+        <p:nvSpPr>
+          <p:cNvPr id="12" name="PA_矩形 27">
+            <a:extLst>
+              <a:ext uri="{FF2B5EF4-FFF2-40B4-BE49-F238E27FC236}">
+                <a16:creationId xmlns:a16="http://schemas.microsoft.com/office/drawing/2014/main" id="{18D637D0-E6D6-FC46-BF46-4E889733A97D}"/>
+              </a:ext>
+            </a:extLst>
+          </p:cNvPr>
+          <p:cNvSpPr/>
+          <p:nvPr>
+            <p:custDataLst>
+              <p:tags r:id="rId4"/>
+            </p:custDataLst>
+          </p:nvPr>
+        </p:nvSpPr>
+        <p:spPr>
+          <a:xfrm>
+            <a:off x="3635829" y="2153796"/>
+            <a:ext cx="4920342" cy="2280495"/>
+          </a:xfrm>
+          <a:prstGeom prst="rect">
+            <a:avLst/>
+          </a:prstGeom>
+          <a:noFill/>
+          <a:ln w="25400">
+            <a:solidFill>
+              <a:srgbClr val="3F403E"/>
+            </a:solidFill>
+          </a:ln>
+        </p:spPr>
+        <p:style>
+          <a:lnRef idx="2">
+            <a:schemeClr val="accent1">
+              <a:shade val="50000"/>
+            </a:schemeClr>
+          </a:lnRef>
+          <a:fillRef idx="1">
+            <a:schemeClr val="accent1"/>
+          </a:fillRef>
+          <a:effectRef idx="0">
+            <a:schemeClr val="accent1"/>
+          </a:effectRef>
+          <a:fontRef idx="minor">
+            <a:schemeClr val="lt1"/>
+          </a:fontRef>
+        </p:style>
+        <p:txBody>
+          <a:bodyPr rtlCol="0" anchor="ctr"/>
+          <a:lstStyle/>
+          <a:p>
+            <a:pPr algn="ctr"/>
+            <a:endParaRPr lang="zh-CN" altLang="en-US"/>
+          </a:p>
+        </p:txBody>
+      </p:sp>
+      <p:pic>
+        <p:nvPicPr>
+          <p:cNvPr id="15" name="图片 14">
+            <a:extLst>
+              <a:ext uri="{FF2B5EF4-FFF2-40B4-BE49-F238E27FC236}">
+                <a16:creationId xmlns:a16="http://schemas.microsoft.com/office/drawing/2014/main" id="{B93ADD5B-947D-1742-BCFD-8CC3F8C8B171}"/>
+              </a:ext>
+            </a:extLst>
+          </p:cNvPr>
+          <p:cNvPicPr>
+            <a:picLocks noChangeAspect="1"/>
+          </p:cNvPicPr>
+          <p:nvPr/>
+        </p:nvPicPr>
+        <p:blipFill>
+          <a:blip r:embed="rId9"/>
+          <a:stretch>
+            <a:fillRect/>
+          </a:stretch>
+        </p:blipFill>
+        <p:spPr>
+          <a:xfrm>
+            <a:off x="0" y="5311833"/>
+            <a:ext cx="12192000" cy="1530052"/>
+          </a:xfrm>
+          <a:prstGeom prst="rect">
+            <a:avLst/>
+          </a:prstGeom>
+        </p:spPr>
+      </p:pic>
+      <p:sp>
+        <p:nvSpPr>
+          <p:cNvPr id="19" name="PA_文本框 20">
+            <a:extLst>
+              <a:ext uri="{FF2B5EF4-FFF2-40B4-BE49-F238E27FC236}">
+                <a16:creationId xmlns:a16="http://schemas.microsoft.com/office/drawing/2014/main" id="{C2D90ED3-061A-4C2B-888B-6F4FF3C00A89}"/>
+              </a:ext>
+            </a:extLst>
+          </p:cNvPr>
+          <p:cNvSpPr txBox="1"/>
+          <p:nvPr>
+            <p:custDataLst>
+              <p:tags r:id="rId5"/>
+            </p:custDataLst>
+          </p:nvPr>
+        </p:nvSpPr>
+        <p:spPr>
+          <a:xfrm>
+            <a:off x="4709241" y="2617596"/>
+            <a:ext cx="2773516" cy="1015663"/>
+          </a:xfrm>
+          <a:prstGeom prst="rect">
+            <a:avLst/>
+          </a:prstGeom>
+          <a:solidFill>
+            <a:srgbClr val="FCFCFD"/>
+          </a:solidFill>
+        </p:spPr>
+        <p:txBody>
+          <a:bodyPr wrap="none" rtlCol="0">
+            <a:spAutoFit/>
+          </a:bodyPr>
+          <a:lstStyle/>
+          <a:p>
+            <a:pPr algn="ctr"/>
+            <a:r>
+              <a:rPr lang="en-US" altLang="zh-CN" sz="6000" dirty="0">
+                <a:solidFill>
+                  <a:srgbClr val="004098"/>
+                </a:solidFill>
+                <a:latin typeface="Microsoft YaHei" panose="020B0503020204020204" pitchFamily="34" charset="-122"/>
+                <a:ea typeface="Microsoft YaHei" panose="020B0503020204020204" pitchFamily="34" charset="-122"/>
+              </a:rPr>
+              <a:t>Thanks</a:t>
+            </a:r>
+          </a:p>
+        </p:txBody>
+      </p:sp>
+    </p:spTree>
+    <p:extLst>
+      <p:ext uri="{BB962C8B-B14F-4D97-AF65-F5344CB8AC3E}">
+        <p14:creationId xmlns:p14="http://schemas.microsoft.com/office/powerpoint/2010/main" val="734731905"/>
+      </p:ext>
+    </p:extLst>
+  </p:cSld>
+  <p:clrMapOvr>
+    <a:masterClrMapping/>
+  </p:clrMapOvr>
+  <mc:AlternateContent xmlns:mc="http://schemas.openxmlformats.org/markup-compatibility/2006" xmlns:p159="http://schemas.microsoft.com/office/powerpoint/2015/09/main">
+    <mc:Choice Requires="p159">
+      <p:transition xmlns:p14="http://schemas.microsoft.com/office/powerpoint/2010/main" p14:dur="250">
+        <p159:morph option="byObject"/>
+      </p:transition>
+    </mc:Choice>
+    <mc:Fallback xmlns="">
+      <p:transition>
+        <p:fade/>
+      </p:transition>
+    </mc:Fallback>
+  </mc:AlternateContent>
 </p:sld>
 </file>
 
